--- a/presentation/Schrödinger's Chess.pptx
+++ b/presentation/Schrödinger's Chess.pptx
@@ -15,7 +15,7 @@
     <p:sldId id="268" r:id="rId9"/>
     <p:sldId id="266" r:id="rId10"/>
     <p:sldId id="264" r:id="rId11"/>
-    <p:sldId id="265" r:id="rId12"/>
+    <p:sldId id="269" r:id="rId12"/>
     <p:sldId id="260" r:id="rId13"/>
     <p:sldId id="261" r:id="rId14"/>
   </p:sldIdLst>
@@ -4098,7 +4098,7 @@
           <a:p>
             <a:r>
               <a:rPr lang="en-US" dirty="0" smtClean="0"/>
-              <a:t>Front-End and Back-End</a:t>
+              <a:t>Back-End Changes</a:t>
             </a:r>
             <a:endParaRPr lang="en-US" dirty="0"/>
           </a:p>
@@ -4119,7 +4119,39 @@
           <a:bodyPr/>
           <a:lstStyle/>
           <a:p>
-            <a:endParaRPr lang="en-US"/>
+            <a:r>
+              <a:rPr lang="en-US" dirty="0" smtClean="0"/>
+              <a:t>For the game logic, I had to</a:t>
+            </a:r>
+          </a:p>
+          <a:p>
+            <a:pPr lvl="1"/>
+            <a:r>
+              <a:rPr lang="en-US" dirty="0" smtClean="0"/>
+              <a:t>Add a Concealed piece class that defined the behavior of the piece</a:t>
+            </a:r>
+          </a:p>
+          <a:p>
+            <a:pPr lvl="1"/>
+            <a:r>
+              <a:rPr lang="en-US" dirty="0" smtClean="0"/>
+              <a:t>Tweak the existing game logic to allow that piece to be revealed as another piece.</a:t>
+            </a:r>
+          </a:p>
+          <a:p>
+            <a:pPr lvl="1"/>
+            <a:r>
+              <a:rPr lang="en-US" dirty="0" smtClean="0"/>
+              <a:t>Write the game logic to generate the valid moves for Concealed pieces on the board.</a:t>
+            </a:r>
+          </a:p>
+          <a:p>
+            <a:pPr lvl="1"/>
+            <a:r>
+              <a:rPr lang="en-US" dirty="0" smtClean="0"/>
+              <a:t>Write the logic to accept an arrangement for concealed pieces.</a:t>
+            </a:r>
+            <a:endParaRPr lang="en-US" dirty="0"/>
           </a:p>
         </p:txBody>
       </p:sp>
@@ -4168,7 +4200,7 @@
           <a:p>
             <a:r>
               <a:rPr lang="en-US" dirty="0" smtClean="0"/>
-              <a:t>Because It Was Fun</a:t>
+              <a:t>Front-End Changes</a:t>
             </a:r>
             <a:endParaRPr lang="en-US" dirty="0"/>
           </a:p>
@@ -4189,7 +4221,39 @@
           <a:bodyPr/>
           <a:lstStyle/>
           <a:p>
-            <a:endParaRPr lang="en-US"/>
+            <a:r>
+              <a:rPr lang="en-US" dirty="0" smtClean="0"/>
+              <a:t>For the user interface, I had to</a:t>
+            </a:r>
+          </a:p>
+          <a:p>
+            <a:pPr lvl="1"/>
+            <a:r>
+              <a:rPr lang="en-US" dirty="0" smtClean="0"/>
+              <a:t>Create a sprite for the Concealed piece</a:t>
+            </a:r>
+          </a:p>
+          <a:p>
+            <a:pPr lvl="1"/>
+            <a:r>
+              <a:rPr lang="en-US" dirty="0" smtClean="0"/>
+              <a:t>Add a GUI for selecting the arrangement for Concealed pieces for human players.</a:t>
+            </a:r>
+          </a:p>
+          <a:p>
+            <a:pPr lvl="1"/>
+            <a:r>
+              <a:rPr lang="en-US" dirty="0" smtClean="0"/>
+              <a:t>Add a GUI for designating a player as a Computer player so that the Concealed pieces would be randomly arranged.</a:t>
+            </a:r>
+          </a:p>
+          <a:p>
+            <a:pPr lvl="1"/>
+            <a:r>
+              <a:rPr lang="en-US" dirty="0" smtClean="0"/>
+              <a:t>Map right-clicking a Concealed piece to the action of revealing the piece.</a:t>
+            </a:r>
+            <a:endParaRPr lang="en-US" dirty="0"/>
           </a:p>
         </p:txBody>
       </p:sp>
@@ -5329,7 +5393,37 @@
           <a:bodyPr/>
           <a:lstStyle/>
           <a:p>
-            <a:endParaRPr lang="en-US"/>
+            <a:r>
+              <a:rPr lang="en-US" dirty="0" smtClean="0"/>
+              <a:t>The existing code was very repetitive, not very clear about its intentions, and not very concise.</a:t>
+            </a:r>
+          </a:p>
+          <a:p>
+            <a:r>
+              <a:rPr lang="en-US" dirty="0" smtClean="0"/>
+              <a:t>Ex: Square class, which, for a square on the board, defines:</a:t>
+            </a:r>
+          </a:p>
+          <a:p>
+            <a:pPr lvl="1"/>
+            <a:r>
+              <a:rPr lang="en-US" dirty="0" smtClean="0"/>
+              <a:t>Squares that this piece can move to</a:t>
+            </a:r>
+          </a:p>
+          <a:p>
+            <a:pPr lvl="1"/>
+            <a:r>
+              <a:rPr lang="en-US" dirty="0" smtClean="0"/>
+              <a:t>Squares that have pieces that can attack this piece</a:t>
+            </a:r>
+          </a:p>
+          <a:p>
+            <a:pPr lvl="1"/>
+            <a:r>
+              <a:rPr lang="en-US" dirty="0" smtClean="0"/>
+              <a:t>The defensive value of the piece on the given square.</a:t>
+            </a:r>
           </a:p>
         </p:txBody>
       </p:sp>

--- a/presentation/Schrödinger's Chess.pptx
+++ b/presentation/Schrödinger's Chess.pptx
@@ -4061,6 +4061,13 @@
   <p:transition>
     <p:dissolve/>
   </p:transition>
+  <p:timing>
+    <p:tnLst>
+      <p:par>
+        <p:cTn id="1" dur="indefinite" restart="never" nodeType="tmRoot"/>
+      </p:par>
+    </p:tnLst>
+  </p:timing>
 </p:sld>
 </file>
 
@@ -4163,6 +4170,13 @@
   <p:transition>
     <p:dissolve/>
   </p:transition>
+  <p:timing>
+    <p:tnLst>
+      <p:par>
+        <p:cTn id="1" dur="indefinite" restart="never" nodeType="tmRoot"/>
+      </p:par>
+    </p:tnLst>
+  </p:timing>
 </p:sld>
 </file>
 
@@ -4251,7 +4265,35 @@
             <a:pPr lvl="1"/>
             <a:r>
               <a:rPr lang="en-US" dirty="0" smtClean="0"/>
-              <a:t>Map right-clicking a Concealed piece to the action of revealing the piece.</a:t>
+              <a:t>Map </a:t>
+            </a:r>
+            <a:r>
+              <a:rPr lang="en-US" dirty="0" smtClean="0"/>
+              <a:t>the action of right-clicking </a:t>
+            </a:r>
+            <a:r>
+              <a:rPr lang="en-US" dirty="0" smtClean="0"/>
+              <a:t>a Concealed piece to the </a:t>
+            </a:r>
+            <a:r>
+              <a:rPr lang="en-US" dirty="0" smtClean="0"/>
+              <a:t>behavior</a:t>
+            </a:r>
+            <a:r>
+              <a:rPr lang="en-US" dirty="0" smtClean="0"/>
+              <a:t> </a:t>
+            </a:r>
+            <a:r>
+              <a:rPr lang="en-US" dirty="0" smtClean="0"/>
+              <a:t>of revealing </a:t>
+            </a:r>
+            <a:r>
+              <a:rPr lang="en-US" dirty="0" smtClean="0"/>
+              <a:t>that </a:t>
+            </a:r>
+            <a:r>
+              <a:rPr lang="en-US" dirty="0" smtClean="0"/>
+              <a:t>piece.</a:t>
             </a:r>
             <a:endParaRPr lang="en-US" dirty="0"/>
           </a:p>
@@ -4265,6 +4307,13 @@
   <p:transition>
     <p:dissolve/>
   </p:transition>
+  <p:timing>
+    <p:tnLst>
+      <p:par>
+        <p:cTn id="1" dur="indefinite" restart="never" nodeType="tmRoot"/>
+      </p:par>
+    </p:tnLst>
+  </p:timing>
 </p:sld>
 </file>
 
@@ -4297,21 +4346,21 @@
         </p:nvSpPr>
         <p:spPr>
           <a:xfrm>
-            <a:off x="228600" y="274638"/>
-            <a:ext cx="8686800" cy="1143000"/>
+            <a:off x="381000" y="990600"/>
+            <a:ext cx="8686800" cy="838200"/>
           </a:xfrm>
         </p:spPr>
         <p:txBody>
           <a:bodyPr>
-            <a:normAutofit fontScale="90000"/>
+            <a:normAutofit/>
           </a:bodyPr>
           <a:lstStyle/>
           <a:p>
             <a:r>
-              <a:rPr lang="en-US" dirty="0" smtClean="0"/>
+              <a:rPr lang="en-US" sz="4400" dirty="0" smtClean="0"/>
               <a:t>Live Demo of Current Working Copy</a:t>
             </a:r>
-            <a:endParaRPr lang="en-US" dirty="0"/>
+            <a:endParaRPr lang="en-US" sz="4400" dirty="0"/>
           </a:p>
         </p:txBody>
       </p:sp>
@@ -4358,6 +4407,13 @@
   <p:transition>
     <p:dissolve/>
   </p:transition>
+  <p:timing>
+    <p:tnLst>
+      <p:par>
+        <p:cTn id="1" dur="indefinite" restart="never" nodeType="tmRoot"/>
+      </p:par>
+    </p:tnLst>
+  </p:timing>
 </p:sld>
 </file>
 
@@ -4428,6 +4484,13 @@
   <p:transition>
     <p:dissolve/>
   </p:transition>
+  <p:timing>
+    <p:tnLst>
+      <p:par>
+        <p:cTn id="1" dur="indefinite" restart="never" nodeType="tmRoot"/>
+      </p:par>
+    </p:tnLst>
+  </p:timing>
 </p:sld>
 </file>
 
@@ -4500,8 +4563,13 @@
           <a:p>
             <a:r>
               <a:rPr lang="en-US" dirty="0" smtClean="0"/>
-              <a:t>Live Demo of Current Working Copy</a:t>
-            </a:r>
+              <a:t>Live Demo of </a:t>
+            </a:r>
+            <a:r>
+              <a:rPr lang="en-US" dirty="0" smtClean="0"/>
+              <a:t>Current Working Copy</a:t>
+            </a:r>
+            <a:endParaRPr lang="en-US" dirty="0" smtClean="0"/>
           </a:p>
           <a:p>
             <a:r>
@@ -4522,6 +4590,13 @@
   <p:transition>
     <p:dissolve/>
   </p:transition>
+  <p:timing>
+    <p:tnLst>
+      <p:par>
+        <p:cTn id="1" dur="indefinite" restart="never" nodeType="tmRoot"/>
+      </p:par>
+    </p:tnLst>
+  </p:timing>
 </p:sld>
 </file>
 
@@ -4669,6 +4744,13 @@
   <p:transition>
     <p:dissolve/>
   </p:transition>
+  <p:timing>
+    <p:tnLst>
+      <p:par>
+        <p:cTn id="1" dur="indefinite" restart="never" nodeType="tmRoot"/>
+      </p:par>
+    </p:tnLst>
+  </p:timing>
 </p:sld>
 </file>
 
@@ -4782,6 +4864,13 @@
   <p:transition>
     <p:dissolve/>
   </p:transition>
+  <p:timing>
+    <p:tnLst>
+      <p:par>
+        <p:cTn id="1" dur="indefinite" restart="never" nodeType="tmRoot"/>
+      </p:par>
+    </p:tnLst>
+  </p:timing>
 </p:sld>
 </file>
 
@@ -4877,8 +4966,21 @@
             <a:pPr lvl="1"/>
             <a:r>
               <a:rPr lang="en-US" dirty="0" smtClean="0"/>
-              <a:t>Garbage collected, which means no micro-managing pointers</a:t>
-            </a:r>
+              <a:t>Garbage </a:t>
+            </a:r>
+            <a:r>
+              <a:rPr lang="en-US" dirty="0" smtClean="0"/>
+              <a:t>collected, </a:t>
+            </a:r>
+            <a:r>
+              <a:rPr lang="en-US" dirty="0" smtClean="0"/>
+              <a:t>which means no micro-managing </a:t>
+            </a:r>
+            <a:r>
+              <a:rPr lang="en-US" dirty="0" smtClean="0"/>
+              <a:t>pointers</a:t>
+            </a:r>
+            <a:endParaRPr lang="en-US" dirty="0" smtClean="0"/>
           </a:p>
           <a:p>
             <a:r>
@@ -4896,6 +4998,13 @@
   <p:transition>
     <p:dissolve/>
   </p:transition>
+  <p:timing>
+    <p:tnLst>
+      <p:par>
+        <p:cTn id="1" dur="indefinite" restart="never" nodeType="tmRoot"/>
+      </p:par>
+    </p:tnLst>
+  </p:timing>
 </p:sld>
 </file>
 
@@ -4958,25 +5067,56 @@
           <a:p>
             <a:r>
               <a:rPr lang="en-US" dirty="0" smtClean="0"/>
-              <a:t>Working on someone else’s code is difficult.</a:t>
-            </a:r>
-          </a:p>
-          <a:p>
-            <a:r>
-              <a:rPr lang="en-US" dirty="0" smtClean="0"/>
-              <a:t>Hard to understand code later without proper documentation.</a:t>
-            </a:r>
-          </a:p>
-          <a:p>
-            <a:r>
-              <a:rPr lang="en-US" dirty="0" smtClean="0"/>
-              <a:t>Code is not necessarily well-written.</a:t>
-            </a:r>
-          </a:p>
-          <a:p>
-            <a:r>
-              <a:rPr lang="en-US" dirty="0" smtClean="0"/>
-              <a:t>Requires assessment of the necessary parts of the codebase before productive work can begin.</a:t>
+              <a:t>Working on someone else’s code is difficult</a:t>
+            </a:r>
+            <a:r>
+              <a:rPr lang="en-US" dirty="0" smtClean="0"/>
+              <a:t>.</a:t>
+            </a:r>
+          </a:p>
+          <a:p>
+            <a:pPr lvl="1"/>
+            <a:r>
+              <a:rPr lang="en-US" dirty="0" smtClean="0"/>
+              <a:t>Style differences can slow progress.</a:t>
+            </a:r>
+            <a:endParaRPr lang="en-US" dirty="0" smtClean="0"/>
+          </a:p>
+          <a:p>
+            <a:pPr lvl="1"/>
+            <a:r>
+              <a:rPr lang="en-US" dirty="0" smtClean="0"/>
+              <a:t>Code </a:t>
+            </a:r>
+            <a:r>
+              <a:rPr lang="en-US" dirty="0" smtClean="0"/>
+              <a:t>is not necessarily well-written</a:t>
+            </a:r>
+            <a:r>
+              <a:rPr lang="en-US" dirty="0" smtClean="0"/>
+              <a:t>.</a:t>
+            </a:r>
+          </a:p>
+          <a:p>
+            <a:pPr lvl="1"/>
+            <a:r>
+              <a:rPr lang="en-US" dirty="0" smtClean="0"/>
+              <a:t>Lack of documentation can make code  even well-written code difficult to understand.</a:t>
+            </a:r>
+            <a:endParaRPr lang="en-US" dirty="0" smtClean="0"/>
+          </a:p>
+          <a:p>
+            <a:r>
+              <a:rPr lang="en-US" dirty="0" smtClean="0"/>
+              <a:t>Generally r</a:t>
+            </a:r>
+            <a:r>
+              <a:rPr lang="en-US" dirty="0" smtClean="0"/>
+              <a:t>equires </a:t>
+            </a:r>
+            <a:r>
+              <a:rPr lang="en-US" dirty="0" smtClean="0"/>
+              <a:t>assessment of the necessary parts of the codebase before productive work can begin.</a:t>
             </a:r>
           </a:p>
           <a:p>
@@ -4990,7 +5130,15 @@
             </a:r>
             <a:r>
               <a:rPr lang="en-US" dirty="0" smtClean="0"/>
-              <a:t> engine was well-written, right?</a:t>
+              <a:t> engine was </a:t>
+            </a:r>
+            <a:r>
+              <a:rPr lang="en-US" dirty="0" smtClean="0"/>
+              <a:t>well-written and well-documented, </a:t>
+            </a:r>
+            <a:r>
+              <a:rPr lang="en-US" dirty="0" smtClean="0"/>
+              <a:t>right?</a:t>
             </a:r>
             <a:endParaRPr lang="en-US" dirty="0"/>
           </a:p>
@@ -5004,6 +5152,13 @@
   <p:transition>
     <p:dissolve/>
   </p:transition>
+  <p:timing>
+    <p:tnLst>
+      <p:par>
+        <p:cTn id="1" dur="indefinite" restart="never" nodeType="tmRoot"/>
+      </p:par>
+    </p:tnLst>
+  </p:timing>
 </p:sld>
 </file>
 
@@ -5122,6 +5277,13 @@
   <p:transition>
     <p:dissolve/>
   </p:transition>
+  <p:timing>
+    <p:tnLst>
+      <p:par>
+        <p:cTn id="1" dur="indefinite" restart="never" nodeType="tmRoot"/>
+      </p:par>
+    </p:tnLst>
+  </p:timing>
 </p:sld>
 </file>
 
@@ -5335,6 +5497,13 @@
   <p:transition>
     <p:dissolve/>
   </p:transition>
+  <p:timing>
+    <p:tnLst>
+      <p:par>
+        <p:cTn id="1" dur="indefinite" restart="never" nodeType="tmRoot"/>
+      </p:par>
+    </p:tnLst>
+  </p:timing>
 </p:sld>
 </file>
 
@@ -5395,8 +5564,62 @@
           <a:p>
             <a:r>
               <a:rPr lang="en-US" dirty="0" smtClean="0"/>
-              <a:t>The existing code was very repetitive, not very clear about its intentions, and not very concise.</a:t>
-            </a:r>
+              <a:t>E</a:t>
+            </a:r>
+            <a:r>
+              <a:rPr lang="en-US" dirty="0" smtClean="0"/>
+              <a:t>xisting </a:t>
+            </a:r>
+            <a:r>
+              <a:rPr lang="en-US" dirty="0" err="1" smtClean="0"/>
+              <a:t>SharpChess</a:t>
+            </a:r>
+            <a:r>
+              <a:rPr lang="en-US" dirty="0" smtClean="0"/>
+              <a:t> code was:</a:t>
+            </a:r>
+          </a:p>
+          <a:p>
+            <a:pPr lvl="1"/>
+            <a:r>
+              <a:rPr lang="en-US" dirty="0" smtClean="0"/>
+              <a:t>very repetitive in places</a:t>
+            </a:r>
+          </a:p>
+          <a:p>
+            <a:pPr lvl="1"/>
+            <a:r>
+              <a:rPr lang="en-US" dirty="0" smtClean="0"/>
+              <a:t>not </a:t>
+            </a:r>
+            <a:r>
+              <a:rPr lang="en-US" dirty="0" smtClean="0"/>
+              <a:t>very clear </a:t>
+            </a:r>
+            <a:r>
+              <a:rPr lang="en-US" dirty="0" smtClean="0"/>
+              <a:t> about </a:t>
+            </a:r>
+            <a:r>
+              <a:rPr lang="en-US" dirty="0" smtClean="0"/>
+              <a:t>its </a:t>
+            </a:r>
+            <a:r>
+              <a:rPr lang="en-US" dirty="0" smtClean="0"/>
+              <a:t>intentions in places</a:t>
+            </a:r>
+          </a:p>
+          <a:p>
+            <a:pPr lvl="1"/>
+            <a:r>
+              <a:rPr lang="en-US" dirty="0" smtClean="0"/>
+              <a:t>not concise</a:t>
+            </a:r>
+            <a:r>
+              <a:rPr lang="en-US" dirty="0" smtClean="0"/>
+              <a:t> at all in some places</a:t>
+            </a:r>
+            <a:endParaRPr lang="en-US" dirty="0" smtClean="0"/>
           </a:p>
           <a:p>
             <a:r>
@@ -5435,6 +5658,13 @@
   <p:transition>
     <p:dissolve/>
   </p:transition>
+  <p:timing>
+    <p:tnLst>
+      <p:par>
+        <p:cTn id="1" dur="indefinite" restart="never" nodeType="tmRoot"/>
+      </p:par>
+    </p:tnLst>
+  </p:timing>
 </p:sld>
 </file>
 
